--- a/Prison Runner.pptx
+++ b/Prison Runner.pptx
@@ -265,7 +265,7 @@
           <a:p>
             <a:fld id="{34B73A4D-71B2-445B-81B6-6B4DE51B0FAB}" type="datetimeFigureOut">
               <a:rPr lang="en-GB" smtClean="0"/>
-              <a:t>19/11/2019</a:t>
+              <a:t>20/11/2019</a:t>
             </a:fld>
             <a:endParaRPr lang="en-GB"/>
           </a:p>
@@ -465,7 +465,7 @@
           <a:p>
             <a:fld id="{34B73A4D-71B2-445B-81B6-6B4DE51B0FAB}" type="datetimeFigureOut">
               <a:rPr lang="en-GB" smtClean="0"/>
-              <a:t>19/11/2019</a:t>
+              <a:t>20/11/2019</a:t>
             </a:fld>
             <a:endParaRPr lang="en-GB"/>
           </a:p>
@@ -675,7 +675,7 @@
           <a:p>
             <a:fld id="{34B73A4D-71B2-445B-81B6-6B4DE51B0FAB}" type="datetimeFigureOut">
               <a:rPr lang="en-GB" smtClean="0"/>
-              <a:t>19/11/2019</a:t>
+              <a:t>20/11/2019</a:t>
             </a:fld>
             <a:endParaRPr lang="en-GB"/>
           </a:p>
@@ -875,7 +875,7 @@
           <a:p>
             <a:fld id="{34B73A4D-71B2-445B-81B6-6B4DE51B0FAB}" type="datetimeFigureOut">
               <a:rPr lang="en-GB" smtClean="0"/>
-              <a:t>19/11/2019</a:t>
+              <a:t>20/11/2019</a:t>
             </a:fld>
             <a:endParaRPr lang="en-GB"/>
           </a:p>
@@ -1151,7 +1151,7 @@
           <a:p>
             <a:fld id="{34B73A4D-71B2-445B-81B6-6B4DE51B0FAB}" type="datetimeFigureOut">
               <a:rPr lang="en-GB" smtClean="0"/>
-              <a:t>19/11/2019</a:t>
+              <a:t>20/11/2019</a:t>
             </a:fld>
             <a:endParaRPr lang="en-GB"/>
           </a:p>
@@ -1419,7 +1419,7 @@
           <a:p>
             <a:fld id="{34B73A4D-71B2-445B-81B6-6B4DE51B0FAB}" type="datetimeFigureOut">
               <a:rPr lang="en-GB" smtClean="0"/>
-              <a:t>19/11/2019</a:t>
+              <a:t>20/11/2019</a:t>
             </a:fld>
             <a:endParaRPr lang="en-GB"/>
           </a:p>
@@ -1834,7 +1834,7 @@
           <a:p>
             <a:fld id="{34B73A4D-71B2-445B-81B6-6B4DE51B0FAB}" type="datetimeFigureOut">
               <a:rPr lang="en-GB" smtClean="0"/>
-              <a:t>19/11/2019</a:t>
+              <a:t>20/11/2019</a:t>
             </a:fld>
             <a:endParaRPr lang="en-GB"/>
           </a:p>
@@ -1976,7 +1976,7 @@
           <a:p>
             <a:fld id="{34B73A4D-71B2-445B-81B6-6B4DE51B0FAB}" type="datetimeFigureOut">
               <a:rPr lang="en-GB" smtClean="0"/>
-              <a:t>19/11/2019</a:t>
+              <a:t>20/11/2019</a:t>
             </a:fld>
             <a:endParaRPr lang="en-GB"/>
           </a:p>
@@ -2089,7 +2089,7 @@
           <a:p>
             <a:fld id="{34B73A4D-71B2-445B-81B6-6B4DE51B0FAB}" type="datetimeFigureOut">
               <a:rPr lang="en-GB" smtClean="0"/>
-              <a:t>19/11/2019</a:t>
+              <a:t>20/11/2019</a:t>
             </a:fld>
             <a:endParaRPr lang="en-GB"/>
           </a:p>
@@ -2402,7 +2402,7 @@
           <a:p>
             <a:fld id="{34B73A4D-71B2-445B-81B6-6B4DE51B0FAB}" type="datetimeFigureOut">
               <a:rPr lang="en-GB" smtClean="0"/>
-              <a:t>19/11/2019</a:t>
+              <a:t>20/11/2019</a:t>
             </a:fld>
             <a:endParaRPr lang="en-GB"/>
           </a:p>
@@ -2691,7 +2691,7 @@
           <a:p>
             <a:fld id="{34B73A4D-71B2-445B-81B6-6B4DE51B0FAB}" type="datetimeFigureOut">
               <a:rPr lang="en-GB" smtClean="0"/>
-              <a:t>19/11/2019</a:t>
+              <a:t>20/11/2019</a:t>
             </a:fld>
             <a:endParaRPr lang="en-GB"/>
           </a:p>
@@ -2934,7 +2934,7 @@
           <a:p>
             <a:fld id="{34B73A4D-71B2-445B-81B6-6B4DE51B0FAB}" type="datetimeFigureOut">
               <a:rPr lang="en-GB" smtClean="0"/>
-              <a:t>19/11/2019</a:t>
+              <a:t>20/11/2019</a:t>
             </a:fld>
             <a:endParaRPr lang="en-GB"/>
           </a:p>
@@ -6050,7 +6050,7 @@
           <a:p>
             <a:r>
               <a:rPr lang="en-GB" dirty="0"/>
-              <a:t>Game</a:t>
+              <a:t>Our Game</a:t>
             </a:r>
           </a:p>
         </p:txBody>
@@ -6085,13 +6085,8 @@
           <a:p>
             <a:r>
               <a:rPr lang="en-GB" sz="1800" dirty="0"/>
-              <a:t>We made </a:t>
-            </a:r>
-            <a:r>
-              <a:rPr lang="en-GB" sz="1800"/>
-              <a:t>a game.</a:t>
-            </a:r>
-            <a:endParaRPr lang="en-GB" sz="1800" dirty="0"/>
+              <a:t>We made a game, somehow. We over scoped a lot for the time we were given and a lot of small things took longer to do than we thought. So near the end we had to scrap a lot of features we wanted to include, with this we also loss a few of the creative cards.  </a:t>
+            </a:r>
           </a:p>
         </p:txBody>
       </p:sp>
@@ -6958,21 +6953,6 @@
 </file>
 
 <file path=customXml/item1.xml><?xml version="1.0" encoding="utf-8"?>
-<p:properties xmlns:p="http://schemas.microsoft.com/office/2006/metadata/properties" xmlns:xsi="http://www.w3.org/2001/XMLSchema-instance" xmlns:pc="http://schemas.microsoft.com/office/infopath/2007/PartnerControls">
-  <documentManagement/>
-</p:properties>
-</file>
-
-<file path=customXml/item2.xml><?xml version="1.0" encoding="utf-8"?>
-<?mso-contentType ?>
-<FormTemplates xmlns="http://schemas.microsoft.com/sharepoint/v3/contenttype/forms">
-  <Display>DocumentLibraryForm</Display>
-  <Edit>DocumentLibraryForm</Edit>
-  <New>DocumentLibraryForm</New>
-</FormTemplates>
-</file>
-
-<file path=customXml/item3.xml><?xml version="1.0" encoding="utf-8"?>
 <ct:contentTypeSchema xmlns:ct="http://schemas.microsoft.com/office/2006/metadata/contentType" xmlns:ma="http://schemas.microsoft.com/office/2006/metadata/properties/metaAttributes" ct:_="" ma:_="" ma:contentTypeName="Document" ma:contentTypeID="0x010100B3A88E0B3578434CBAACF45C720D4C49" ma:contentTypeVersion="7" ma:contentTypeDescription="Create a new document." ma:contentTypeScope="" ma:versionID="161c32630e20638a364d04718d168832">
   <xsd:schema xmlns:xsd="http://www.w3.org/2001/XMLSchema" xmlns:xs="http://www.w3.org/2001/XMLSchema" xmlns:p="http://schemas.microsoft.com/office/2006/metadata/properties" xmlns:ns3="ea17db8b-5748-486d-b3e0-8dbef2f84e62" targetNamespace="http://schemas.microsoft.com/office/2006/metadata/properties" ma:root="true" ma:fieldsID="8c0c9afe68b1149e7ecb66a39f619467" ns3:_="">
     <xsd:import namespace="ea17db8b-5748-486d-b3e0-8dbef2f84e62"/>
@@ -7136,31 +7116,22 @@
 </ct:contentTypeSchema>
 </file>
 
-<file path=customXml/itemProps1.xml><?xml version="1.0" encoding="utf-8"?>
-<ds:datastoreItem xmlns:ds="http://schemas.openxmlformats.org/officeDocument/2006/customXml" ds:itemID="{60E8A4E8-88A0-40D3-AC4D-E470CE879DC8}">
-  <ds:schemaRefs>
-    <ds:schemaRef ds:uri="ea17db8b-5748-486d-b3e0-8dbef2f84e62"/>
-    <ds:schemaRef ds:uri="http://www.w3.org/XML/1998/namespace"/>
-    <ds:schemaRef ds:uri="http://purl.org/dc/dcmitype/"/>
-    <ds:schemaRef ds:uri="http://schemas.openxmlformats.org/package/2006/metadata/core-properties"/>
-    <ds:schemaRef ds:uri="http://schemas.microsoft.com/office/2006/metadata/properties"/>
-    <ds:schemaRef ds:uri="http://purl.org/dc/elements/1.1/"/>
-    <ds:schemaRef ds:uri="http://schemas.microsoft.com/office/2006/documentManagement/types"/>
-    <ds:schemaRef ds:uri="http://schemas.microsoft.com/office/infopath/2007/PartnerControls"/>
-    <ds:schemaRef ds:uri="http://purl.org/dc/terms/"/>
-  </ds:schemaRefs>
-</ds:datastoreItem>
+<file path=customXml/item2.xml><?xml version="1.0" encoding="utf-8"?>
+<?mso-contentType ?>
+<FormTemplates xmlns="http://schemas.microsoft.com/sharepoint/v3/contenttype/forms">
+  <Display>DocumentLibraryForm</Display>
+  <Edit>DocumentLibraryForm</Edit>
+  <New>DocumentLibraryForm</New>
+</FormTemplates>
 </file>
 
-<file path=customXml/itemProps2.xml><?xml version="1.0" encoding="utf-8"?>
-<ds:datastoreItem xmlns:ds="http://schemas.openxmlformats.org/officeDocument/2006/customXml" ds:itemID="{0F02F05A-7A54-4902-BACF-DF9411922F8A}">
-  <ds:schemaRefs>
-    <ds:schemaRef ds:uri="http://schemas.microsoft.com/sharepoint/v3/contenttype/forms"/>
-  </ds:schemaRefs>
-</ds:datastoreItem>
+<file path=customXml/item3.xml><?xml version="1.0" encoding="utf-8"?>
+<p:properties xmlns:p="http://schemas.microsoft.com/office/2006/metadata/properties" xmlns:xsi="http://www.w3.org/2001/XMLSchema-instance" xmlns:pc="http://schemas.microsoft.com/office/infopath/2007/PartnerControls">
+  <documentManagement/>
+</p:properties>
 </file>
 
-<file path=customXml/itemProps3.xml><?xml version="1.0" encoding="utf-8"?>
+<file path=customXml/itemProps1.xml><?xml version="1.0" encoding="utf-8"?>
 <ds:datastoreItem xmlns:ds="http://schemas.openxmlformats.org/officeDocument/2006/customXml" ds:itemID="{CC5D012D-61E8-4F7D-B565-0B39F9B0FB09}">
   <ds:schemaRefs>
     <ds:schemaRef ds:uri="http://schemas.microsoft.com/office/2006/metadata/contentType"/>
@@ -7176,4 +7147,28 @@
     <ds:schemaRef ds:uri="http://schemas.microsoft.com/internal/obd"/>
   </ds:schemaRefs>
 </ds:datastoreItem>
+</file>
+
+<file path=customXml/itemProps2.xml><?xml version="1.0" encoding="utf-8"?>
+<ds:datastoreItem xmlns:ds="http://schemas.openxmlformats.org/officeDocument/2006/customXml" ds:itemID="{0F02F05A-7A54-4902-BACF-DF9411922F8A}">
+  <ds:schemaRefs>
+    <ds:schemaRef ds:uri="http://schemas.microsoft.com/sharepoint/v3/contenttype/forms"/>
+  </ds:schemaRefs>
+</ds:datastoreItem>
+</file>
+
+<file path=customXml/itemProps3.xml><?xml version="1.0" encoding="utf-8"?>
+<ds:datastoreItem xmlns:ds="http://schemas.openxmlformats.org/officeDocument/2006/customXml" ds:itemID="{60E8A4E8-88A0-40D3-AC4D-E470CE879DC8}">
+  <ds:schemaRefs>
+    <ds:schemaRef ds:uri="ea17db8b-5748-486d-b3e0-8dbef2f84e62"/>
+    <ds:schemaRef ds:uri="http://www.w3.org/XML/1998/namespace"/>
+    <ds:schemaRef ds:uri="http://purl.org/dc/dcmitype/"/>
+    <ds:schemaRef ds:uri="http://schemas.openxmlformats.org/package/2006/metadata/core-properties"/>
+    <ds:schemaRef ds:uri="http://schemas.microsoft.com/office/2006/metadata/properties"/>
+    <ds:schemaRef ds:uri="http://purl.org/dc/elements/1.1/"/>
+    <ds:schemaRef ds:uri="http://schemas.microsoft.com/office/2006/documentManagement/types"/>
+    <ds:schemaRef ds:uri="http://schemas.microsoft.com/office/infopath/2007/PartnerControls"/>
+    <ds:schemaRef ds:uri="http://purl.org/dc/terms/"/>
+  </ds:schemaRefs>
+</ds:datastoreItem>
 </file>
--- a/Prison Runner.pptx
+++ b/Prison Runner.pptx
@@ -9,7 +9,8 @@
     <p:sldId id="257" r:id="rId6"/>
     <p:sldId id="258" r:id="rId7"/>
     <p:sldId id="259" r:id="rId8"/>
-    <p:sldId id="260" r:id="rId9"/>
+    <p:sldId id="261" r:id="rId9"/>
+    <p:sldId id="260" r:id="rId10"/>
   </p:sldIdLst>
   <p:sldSz cx="12192000" cy="6858000"/>
   <p:notesSz cx="6858000" cy="9144000"/>
@@ -265,7 +266,7 @@
           <a:p>
             <a:fld id="{34B73A4D-71B2-445B-81B6-6B4DE51B0FAB}" type="datetimeFigureOut">
               <a:rPr lang="en-GB" smtClean="0"/>
-              <a:t>20/11/2019</a:t>
+              <a:t>21/11/2019</a:t>
             </a:fld>
             <a:endParaRPr lang="en-GB"/>
           </a:p>
@@ -465,7 +466,7 @@
           <a:p>
             <a:fld id="{34B73A4D-71B2-445B-81B6-6B4DE51B0FAB}" type="datetimeFigureOut">
               <a:rPr lang="en-GB" smtClean="0"/>
-              <a:t>20/11/2019</a:t>
+              <a:t>21/11/2019</a:t>
             </a:fld>
             <a:endParaRPr lang="en-GB"/>
           </a:p>
@@ -675,7 +676,7 @@
           <a:p>
             <a:fld id="{34B73A4D-71B2-445B-81B6-6B4DE51B0FAB}" type="datetimeFigureOut">
               <a:rPr lang="en-GB" smtClean="0"/>
-              <a:t>20/11/2019</a:t>
+              <a:t>21/11/2019</a:t>
             </a:fld>
             <a:endParaRPr lang="en-GB"/>
           </a:p>
@@ -875,7 +876,7 @@
           <a:p>
             <a:fld id="{34B73A4D-71B2-445B-81B6-6B4DE51B0FAB}" type="datetimeFigureOut">
               <a:rPr lang="en-GB" smtClean="0"/>
-              <a:t>20/11/2019</a:t>
+              <a:t>21/11/2019</a:t>
             </a:fld>
             <a:endParaRPr lang="en-GB"/>
           </a:p>
@@ -1151,7 +1152,7 @@
           <a:p>
             <a:fld id="{34B73A4D-71B2-445B-81B6-6B4DE51B0FAB}" type="datetimeFigureOut">
               <a:rPr lang="en-GB" smtClean="0"/>
-              <a:t>20/11/2019</a:t>
+              <a:t>21/11/2019</a:t>
             </a:fld>
             <a:endParaRPr lang="en-GB"/>
           </a:p>
@@ -1419,7 +1420,7 @@
           <a:p>
             <a:fld id="{34B73A4D-71B2-445B-81B6-6B4DE51B0FAB}" type="datetimeFigureOut">
               <a:rPr lang="en-GB" smtClean="0"/>
-              <a:t>20/11/2019</a:t>
+              <a:t>21/11/2019</a:t>
             </a:fld>
             <a:endParaRPr lang="en-GB"/>
           </a:p>
@@ -1834,7 +1835,7 @@
           <a:p>
             <a:fld id="{34B73A4D-71B2-445B-81B6-6B4DE51B0FAB}" type="datetimeFigureOut">
               <a:rPr lang="en-GB" smtClean="0"/>
-              <a:t>20/11/2019</a:t>
+              <a:t>21/11/2019</a:t>
             </a:fld>
             <a:endParaRPr lang="en-GB"/>
           </a:p>
@@ -1976,7 +1977,7 @@
           <a:p>
             <a:fld id="{34B73A4D-71B2-445B-81B6-6B4DE51B0FAB}" type="datetimeFigureOut">
               <a:rPr lang="en-GB" smtClean="0"/>
-              <a:t>20/11/2019</a:t>
+              <a:t>21/11/2019</a:t>
             </a:fld>
             <a:endParaRPr lang="en-GB"/>
           </a:p>
@@ -2089,7 +2090,7 @@
           <a:p>
             <a:fld id="{34B73A4D-71B2-445B-81B6-6B4DE51B0FAB}" type="datetimeFigureOut">
               <a:rPr lang="en-GB" smtClean="0"/>
-              <a:t>20/11/2019</a:t>
+              <a:t>21/11/2019</a:t>
             </a:fld>
             <a:endParaRPr lang="en-GB"/>
           </a:p>
@@ -2402,7 +2403,7 @@
           <a:p>
             <a:fld id="{34B73A4D-71B2-445B-81B6-6B4DE51B0FAB}" type="datetimeFigureOut">
               <a:rPr lang="en-GB" smtClean="0"/>
-              <a:t>20/11/2019</a:t>
+              <a:t>21/11/2019</a:t>
             </a:fld>
             <a:endParaRPr lang="en-GB"/>
           </a:p>
@@ -2691,7 +2692,7 @@
           <a:p>
             <a:fld id="{34B73A4D-71B2-445B-81B6-6B4DE51B0FAB}" type="datetimeFigureOut">
               <a:rPr lang="en-GB" smtClean="0"/>
-              <a:t>20/11/2019</a:t>
+              <a:t>21/11/2019</a:t>
             </a:fld>
             <a:endParaRPr lang="en-GB"/>
           </a:p>
@@ -2934,7 +2935,7 @@
           <a:p>
             <a:fld id="{34B73A4D-71B2-445B-81B6-6B4DE51B0FAB}" type="datetimeFigureOut">
               <a:rPr lang="en-GB" smtClean="0"/>
-              <a:t>20/11/2019</a:t>
+              <a:t>21/11/2019</a:t>
             </a:fld>
             <a:endParaRPr lang="en-GB"/>
           </a:p>
@@ -5993,6 +5994,402 @@
 </file>
 
 <file path=ppt/slides/slide5.xml><?xml version="1.0" encoding="utf-8"?>
+<p:sld xmlns:a="http://schemas.openxmlformats.org/drawingml/2006/main" xmlns:r="http://schemas.openxmlformats.org/officeDocument/2006/relationships" xmlns:p="http://schemas.openxmlformats.org/presentationml/2006/main">
+  <p:cSld>
+    <p:bg>
+      <p:bgPr>
+        <a:solidFill>
+          <a:schemeClr val="bg1">
+            <a:tint val="95000"/>
+            <a:satMod val="170000"/>
+          </a:schemeClr>
+        </a:solidFill>
+        <a:effectLst/>
+      </p:bgPr>
+    </p:bg>
+    <p:spTree>
+      <p:nvGrpSpPr>
+        <p:cNvPr id="1" name=""/>
+        <p:cNvGrpSpPr/>
+        <p:nvPr/>
+      </p:nvGrpSpPr>
+      <p:grpSpPr>
+        <a:xfrm>
+          <a:off x="0" y="0"/>
+          <a:ext cx="0" cy="0"/>
+          <a:chOff x="0" y="0"/>
+          <a:chExt cx="0" cy="0"/>
+        </a:xfrm>
+      </p:grpSpPr>
+      <p:sp>
+        <p:nvSpPr>
+          <p:cNvPr id="2" name="Title 1">
+            <a:extLst>
+              <a:ext uri="{FF2B5EF4-FFF2-40B4-BE49-F238E27FC236}">
+                <a16:creationId xmlns:a16="http://schemas.microsoft.com/office/drawing/2014/main" id="{8AE264DE-085D-4E7D-AB05-5AF1A7D48B86}"/>
+              </a:ext>
+            </a:extLst>
+          </p:cNvPr>
+          <p:cNvSpPr>
+            <a:spLocks noGrp="1"/>
+          </p:cNvSpPr>
+          <p:nvPr>
+            <p:ph type="title"/>
+          </p:nvPr>
+        </p:nvSpPr>
+        <p:spPr>
+          <a:xfrm>
+            <a:off x="762001" y="803325"/>
+            <a:ext cx="5314536" cy="1325563"/>
+          </a:xfrm>
+        </p:spPr>
+        <p:txBody>
+          <a:bodyPr>
+            <a:normAutofit/>
+          </a:bodyPr>
+          <a:lstStyle/>
+          <a:p>
+            <a:r>
+              <a:rPr lang="en-GB" dirty="0"/>
+              <a:t>The lost cards </a:t>
+            </a:r>
+          </a:p>
+        </p:txBody>
+      </p:sp>
+      <p:sp>
+        <p:nvSpPr>
+          <p:cNvPr id="3" name="Content Placeholder 2">
+            <a:extLst>
+              <a:ext uri="{FF2B5EF4-FFF2-40B4-BE49-F238E27FC236}">
+                <a16:creationId xmlns:a16="http://schemas.microsoft.com/office/drawing/2014/main" id="{278DE50B-7C07-4B69-8B70-D1FFF650C19B}"/>
+              </a:ext>
+            </a:extLst>
+          </p:cNvPr>
+          <p:cNvSpPr>
+            <a:spLocks noGrp="1"/>
+          </p:cNvSpPr>
+          <p:nvPr>
+            <p:ph idx="1"/>
+          </p:nvPr>
+        </p:nvSpPr>
+        <p:spPr>
+          <a:xfrm>
+            <a:off x="762000" y="2279018"/>
+            <a:ext cx="5314543" cy="3375920"/>
+          </a:xfrm>
+        </p:spPr>
+        <p:txBody>
+          <a:bodyPr anchor="t">
+            <a:normAutofit/>
+          </a:bodyPr>
+          <a:lstStyle/>
+          <a:p>
+            <a:r>
+              <a:rPr lang="en-GB" sz="1800"/>
+              <a:t>Due to time constrains we were not able to fulfil all of our creative cards, we wanted to add in a swinging mechanic that would allow the player to swing over large gaps. We also wanted to implement as system were you could save people while running away from the fire.  </a:t>
+            </a:r>
+          </a:p>
+        </p:txBody>
+      </p:sp>
+      <p:sp>
+        <p:nvSpPr>
+          <p:cNvPr id="71" name="Freeform: Shape 70">
+            <a:extLst>
+              <a:ext uri="{FF2B5EF4-FFF2-40B4-BE49-F238E27FC236}">
+                <a16:creationId xmlns:a16="http://schemas.microsoft.com/office/drawing/2014/main" id="{CF62D2A7-8207-488C-9F46-316BA81A16C8}"/>
+              </a:ext>
+              <a:ext uri="{C183D7F6-B498-43B3-948B-1728B52AA6E4}">
+                <adec:decorative xmlns:adec="http://schemas.microsoft.com/office/drawing/2017/decorative" val="1"/>
+              </a:ext>
+            </a:extLst>
+          </p:cNvPr>
+          <p:cNvSpPr>
+            <a:spLocks noGrp="1" noRot="1" noChangeAspect="1" noMove="1" noResize="1" noEditPoints="1" noAdjustHandles="1" noChangeArrowheads="1" noChangeShapeType="1" noTextEdit="1"/>
+          </p:cNvSpPr>
+          <p:nvPr>
+            <p:extLst>
+              <p:ext uri="{386F3935-93C4-4BCD-93E2-E3B085C9AB24}">
+                <p16:designElem xmlns:p16="http://schemas.microsoft.com/office/powerpoint/2015/main" val="1"/>
+              </p:ext>
+            </p:extLst>
+          </p:nvPr>
+        </p:nvSpPr>
+        <p:spPr>
+          <a:xfrm flipH="1">
+            <a:off x="6582780" y="-2008"/>
+            <a:ext cx="5609220" cy="5840278"/>
+          </a:xfrm>
+          <a:custGeom>
+            <a:avLst/>
+            <a:gdLst>
+              <a:gd name="connsiteX0" fmla="*/ 0 w 5609220"/>
+              <a:gd name="connsiteY0" fmla="*/ 0 h 5840278"/>
+              <a:gd name="connsiteX1" fmla="*/ 4637091 w 5609220"/>
+              <a:gd name="connsiteY1" fmla="*/ 0 h 5840278"/>
+              <a:gd name="connsiteX2" fmla="*/ 4822569 w 5609220"/>
+              <a:gd name="connsiteY2" fmla="*/ 204077 h 5840278"/>
+              <a:gd name="connsiteX3" fmla="*/ 5609220 w 5609220"/>
+              <a:gd name="connsiteY3" fmla="*/ 2395363 h 5840278"/>
+              <a:gd name="connsiteX4" fmla="*/ 2164305 w 5609220"/>
+              <a:gd name="connsiteY4" fmla="*/ 5840278 h 5840278"/>
+              <a:gd name="connsiteX5" fmla="*/ 238220 w 5609220"/>
+              <a:gd name="connsiteY5" fmla="*/ 5251941 h 5840278"/>
+              <a:gd name="connsiteX6" fmla="*/ 0 w 5609220"/>
+              <a:gd name="connsiteY6" fmla="*/ 5073803 h 5840278"/>
+            </a:gdLst>
+            <a:ahLst/>
+            <a:cxnLst>
+              <a:cxn ang="0">
+                <a:pos x="connsiteX0" y="connsiteY0"/>
+              </a:cxn>
+              <a:cxn ang="0">
+                <a:pos x="connsiteX1" y="connsiteY1"/>
+              </a:cxn>
+              <a:cxn ang="0">
+                <a:pos x="connsiteX2" y="connsiteY2"/>
+              </a:cxn>
+              <a:cxn ang="0">
+                <a:pos x="connsiteX3" y="connsiteY3"/>
+              </a:cxn>
+              <a:cxn ang="0">
+                <a:pos x="connsiteX4" y="connsiteY4"/>
+              </a:cxn>
+              <a:cxn ang="0">
+                <a:pos x="connsiteX5" y="connsiteY5"/>
+              </a:cxn>
+              <a:cxn ang="0">
+                <a:pos x="connsiteX6" y="connsiteY6"/>
+              </a:cxn>
+            </a:cxnLst>
+            <a:rect l="l" t="t" r="r" b="b"/>
+            <a:pathLst>
+              <a:path w="5609220" h="5840278">
+                <a:moveTo>
+                  <a:pt x="0" y="0"/>
+                </a:moveTo>
+                <a:lnTo>
+                  <a:pt x="4637091" y="0"/>
+                </a:lnTo>
+                <a:lnTo>
+                  <a:pt x="4822569" y="204077"/>
+                </a:lnTo>
+                <a:cubicBezTo>
+                  <a:pt x="5314007" y="799562"/>
+                  <a:pt x="5609220" y="1562987"/>
+                  <a:pt x="5609220" y="2395363"/>
+                </a:cubicBezTo>
+                <a:cubicBezTo>
+                  <a:pt x="5609220" y="4297937"/>
+                  <a:pt x="4066879" y="5840278"/>
+                  <a:pt x="2164305" y="5840278"/>
+                </a:cubicBezTo>
+                <a:cubicBezTo>
+                  <a:pt x="1450840" y="5840278"/>
+                  <a:pt x="788032" y="5623387"/>
+                  <a:pt x="238220" y="5251941"/>
+                </a:cubicBezTo>
+                <a:lnTo>
+                  <a:pt x="0" y="5073803"/>
+                </a:lnTo>
+                <a:close/>
+              </a:path>
+            </a:pathLst>
+          </a:custGeom>
+          <a:solidFill>
+            <a:srgbClr val="FFFFFF">
+              <a:alpha val="80000"/>
+            </a:srgbClr>
+          </a:solidFill>
+          <a:ln>
+            <a:noFill/>
+          </a:ln>
+        </p:spPr>
+        <p:style>
+          <a:lnRef idx="2">
+            <a:schemeClr val="accent1">
+              <a:shade val="50000"/>
+            </a:schemeClr>
+          </a:lnRef>
+          <a:fillRef idx="1">
+            <a:schemeClr val="accent1"/>
+          </a:fillRef>
+          <a:effectRef idx="0">
+            <a:schemeClr val="accent1"/>
+          </a:effectRef>
+          <a:fontRef idx="minor">
+            <a:schemeClr val="lt1"/>
+          </a:fontRef>
+        </p:style>
+        <p:txBody>
+          <a:bodyPr rtlCol="0" anchor="ctr"/>
+          <a:lstStyle/>
+          <a:p>
+            <a:pPr marL="0" marR="0" lvl="0" indent="0" algn="ctr" defTabSz="914400" rtl="0" eaLnBrk="1" fontAlgn="auto" latinLnBrk="0" hangingPunct="1">
+              <a:lnSpc>
+                <a:spcPct val="100000"/>
+              </a:lnSpc>
+              <a:spcBef>
+                <a:spcPts val="0"/>
+              </a:spcBef>
+              <a:spcAft>
+                <a:spcPts val="0"/>
+              </a:spcAft>
+              <a:buClrTx/>
+              <a:buSzTx/>
+              <a:buFontTx/>
+              <a:buNone/>
+              <a:tabLst/>
+              <a:defRPr/>
+            </a:pPr>
+            <a:endParaRPr kumimoji="0" lang="en-US" sz="1800" b="0" i="0" u="none" strike="noStrike" kern="1200" cap="none" spc="0" normalizeH="0" baseline="0" noProof="0">
+              <a:ln>
+                <a:noFill/>
+              </a:ln>
+              <a:solidFill>
+                <a:prstClr val="white"/>
+              </a:solidFill>
+              <a:effectLst/>
+              <a:uLnTx/>
+              <a:uFillTx/>
+              <a:latin typeface="Calibri" panose="020F0502020204030204"/>
+              <a:ea typeface="+mn-ea"/>
+              <a:cs typeface="+mn-cs"/>
+            </a:endParaRPr>
+          </a:p>
+        </p:txBody>
+      </p:sp>
+      <p:pic>
+        <p:nvPicPr>
+          <p:cNvPr id="1026" name="Picture 2" descr="https://cdn.discordapp.com/attachments/638446753179238402/640652902964133909/image0.png">
+            <a:extLst>
+              <a:ext uri="{FF2B5EF4-FFF2-40B4-BE49-F238E27FC236}">
+                <a16:creationId xmlns:a16="http://schemas.microsoft.com/office/drawing/2014/main" id="{A6FDA1A6-EF42-41B0-8144-A02176F1027F}"/>
+              </a:ext>
+            </a:extLst>
+          </p:cNvPr>
+          <p:cNvPicPr>
+            <a:picLocks noChangeAspect="1" noChangeArrowheads="1"/>
+          </p:cNvPicPr>
+          <p:nvPr/>
+        </p:nvPicPr>
+        <p:blipFill rotWithShape="1">
+          <a:blip r:embed="rId2">
+            <a:extLst>
+              <a:ext uri="{28A0092B-C50C-407E-A947-70E740481C1C}">
+                <a14:useLocalDpi xmlns:a14="http://schemas.microsoft.com/office/drawing/2010/main" val="0"/>
+              </a:ext>
+            </a:extLst>
+          </a:blip>
+          <a:srcRect t="6519" r="3" b="15547"/>
+          <a:stretch/>
+        </p:blipFill>
+        <p:spPr bwMode="auto">
+          <a:xfrm>
+            <a:off x="6750141" y="-2"/>
+            <a:ext cx="5441859" cy="5654940"/>
+          </a:xfrm>
+          <a:custGeom>
+            <a:avLst/>
+            <a:gdLst>
+              <a:gd name="connsiteX0" fmla="*/ 1041368 w 5441859"/>
+              <a:gd name="connsiteY0" fmla="*/ 0 h 5654940"/>
+              <a:gd name="connsiteX1" fmla="*/ 5441859 w 5441859"/>
+              <a:gd name="connsiteY1" fmla="*/ 0 h 5654940"/>
+              <a:gd name="connsiteX2" fmla="*/ 5441859 w 5441859"/>
+              <a:gd name="connsiteY2" fmla="*/ 4820612 h 5654940"/>
+              <a:gd name="connsiteX3" fmla="*/ 5285166 w 5441859"/>
+              <a:gd name="connsiteY3" fmla="*/ 4957981 h 5654940"/>
+              <a:gd name="connsiteX4" fmla="*/ 3267719 w 5441859"/>
+              <a:gd name="connsiteY4" fmla="*/ 5654940 h 5654940"/>
+              <a:gd name="connsiteX5" fmla="*/ 0 w 5441859"/>
+              <a:gd name="connsiteY5" fmla="*/ 2387221 h 5654940"/>
+              <a:gd name="connsiteX6" fmla="*/ 957093 w 5441859"/>
+              <a:gd name="connsiteY6" fmla="*/ 76595 h 5654940"/>
+            </a:gdLst>
+            <a:ahLst/>
+            <a:cxnLst>
+              <a:cxn ang="0">
+                <a:pos x="connsiteX0" y="connsiteY0"/>
+              </a:cxn>
+              <a:cxn ang="0">
+                <a:pos x="connsiteX1" y="connsiteY1"/>
+              </a:cxn>
+              <a:cxn ang="0">
+                <a:pos x="connsiteX2" y="connsiteY2"/>
+              </a:cxn>
+              <a:cxn ang="0">
+                <a:pos x="connsiteX3" y="connsiteY3"/>
+              </a:cxn>
+              <a:cxn ang="0">
+                <a:pos x="connsiteX4" y="connsiteY4"/>
+              </a:cxn>
+              <a:cxn ang="0">
+                <a:pos x="connsiteX5" y="connsiteY5"/>
+              </a:cxn>
+              <a:cxn ang="0">
+                <a:pos x="connsiteX6" y="connsiteY6"/>
+              </a:cxn>
+            </a:cxnLst>
+            <a:rect l="l" t="t" r="r" b="b"/>
+            <a:pathLst>
+              <a:path w="5441859" h="5654940">
+                <a:moveTo>
+                  <a:pt x="1041368" y="0"/>
+                </a:moveTo>
+                <a:lnTo>
+                  <a:pt x="5441859" y="0"/>
+                </a:lnTo>
+                <a:lnTo>
+                  <a:pt x="5441859" y="4820612"/>
+                </a:lnTo>
+                <a:lnTo>
+                  <a:pt x="5285166" y="4957981"/>
+                </a:lnTo>
+                <a:cubicBezTo>
+                  <a:pt x="4729628" y="5394557"/>
+                  <a:pt x="4029081" y="5654940"/>
+                  <a:pt x="3267719" y="5654940"/>
+                </a:cubicBezTo>
+                <a:cubicBezTo>
+                  <a:pt x="1463008" y="5654940"/>
+                  <a:pt x="0" y="4191932"/>
+                  <a:pt x="0" y="2387221"/>
+                </a:cubicBezTo>
+                <a:cubicBezTo>
+                  <a:pt x="0" y="1484866"/>
+                  <a:pt x="365752" y="667936"/>
+                  <a:pt x="957093" y="76595"/>
+                </a:cubicBezTo>
+                <a:close/>
+              </a:path>
+            </a:pathLst>
+          </a:custGeom>
+          <a:noFill/>
+          <a:extLst>
+            <a:ext uri="{909E8E84-426E-40DD-AFC4-6F175D3DCCD1}">
+              <a14:hiddenFill xmlns:a14="http://schemas.microsoft.com/office/drawing/2010/main">
+                <a:solidFill>
+                  <a:srgbClr val="FFFFFF"/>
+                </a:solidFill>
+              </a14:hiddenFill>
+            </a:ext>
+          </a:extLst>
+        </p:spPr>
+      </p:pic>
+    </p:spTree>
+    <p:extLst>
+      <p:ext uri="{BB962C8B-B14F-4D97-AF65-F5344CB8AC3E}">
+        <p14:creationId xmlns:p14="http://schemas.microsoft.com/office/powerpoint/2010/main" val="3459712311"/>
+      </p:ext>
+    </p:extLst>
+  </p:cSld>
+  <p:clrMapOvr>
+    <a:overrideClrMapping bg1="dk1" tx1="lt1" bg2="dk2" tx2="lt2" accent1="accent1" accent2="accent2" accent3="accent3" accent4="accent4" accent5="accent5" accent6="accent6" hlink="hlink" folHlink="folHlink"/>
+  </p:clrMapOvr>
+</p:sld>
+</file>
+
+<file path=ppt/slides/slide6.xml><?xml version="1.0" encoding="utf-8"?>
 <p:sld xmlns:a="http://schemas.openxmlformats.org/drawingml/2006/main" xmlns:r="http://schemas.openxmlformats.org/officeDocument/2006/relationships" xmlns:p="http://schemas.openxmlformats.org/presentationml/2006/main">
   <p:cSld>
     <p:bg>
@@ -6953,6 +7350,21 @@
 </file>
 
 <file path=customXml/item1.xml><?xml version="1.0" encoding="utf-8"?>
+<p:properties xmlns:p="http://schemas.microsoft.com/office/2006/metadata/properties" xmlns:xsi="http://www.w3.org/2001/XMLSchema-instance" xmlns:pc="http://schemas.microsoft.com/office/infopath/2007/PartnerControls">
+  <documentManagement/>
+</p:properties>
+</file>
+
+<file path=customXml/item2.xml><?xml version="1.0" encoding="utf-8"?>
+<?mso-contentType ?>
+<FormTemplates xmlns="http://schemas.microsoft.com/sharepoint/v3/contenttype/forms">
+  <Display>DocumentLibraryForm</Display>
+  <Edit>DocumentLibraryForm</Edit>
+  <New>DocumentLibraryForm</New>
+</FormTemplates>
+</file>
+
+<file path=customXml/item3.xml><?xml version="1.0" encoding="utf-8"?>
 <ct:contentTypeSchema xmlns:ct="http://schemas.microsoft.com/office/2006/metadata/contentType" xmlns:ma="http://schemas.microsoft.com/office/2006/metadata/properties/metaAttributes" ct:_="" ma:_="" ma:contentTypeName="Document" ma:contentTypeID="0x010100B3A88E0B3578434CBAACF45C720D4C49" ma:contentTypeVersion="7" ma:contentTypeDescription="Create a new document." ma:contentTypeScope="" ma:versionID="161c32630e20638a364d04718d168832">
   <xsd:schema xmlns:xsd="http://www.w3.org/2001/XMLSchema" xmlns:xs="http://www.w3.org/2001/XMLSchema" xmlns:p="http://schemas.microsoft.com/office/2006/metadata/properties" xmlns:ns3="ea17db8b-5748-486d-b3e0-8dbef2f84e62" targetNamespace="http://schemas.microsoft.com/office/2006/metadata/properties" ma:root="true" ma:fieldsID="8c0c9afe68b1149e7ecb66a39f619467" ns3:_="">
     <xsd:import namespace="ea17db8b-5748-486d-b3e0-8dbef2f84e62"/>
@@ -7116,22 +7528,31 @@
 </ct:contentTypeSchema>
 </file>
 
-<file path=customXml/item2.xml><?xml version="1.0" encoding="utf-8"?>
-<?mso-contentType ?>
-<FormTemplates xmlns="http://schemas.microsoft.com/sharepoint/v3/contenttype/forms">
-  <Display>DocumentLibraryForm</Display>
-  <Edit>DocumentLibraryForm</Edit>
-  <New>DocumentLibraryForm</New>
-</FormTemplates>
+<file path=customXml/itemProps1.xml><?xml version="1.0" encoding="utf-8"?>
+<ds:datastoreItem xmlns:ds="http://schemas.openxmlformats.org/officeDocument/2006/customXml" ds:itemID="{60E8A4E8-88A0-40D3-AC4D-E470CE879DC8}">
+  <ds:schemaRefs>
+    <ds:schemaRef ds:uri="ea17db8b-5748-486d-b3e0-8dbef2f84e62"/>
+    <ds:schemaRef ds:uri="http://www.w3.org/XML/1998/namespace"/>
+    <ds:schemaRef ds:uri="http://purl.org/dc/dcmitype/"/>
+    <ds:schemaRef ds:uri="http://schemas.openxmlformats.org/package/2006/metadata/core-properties"/>
+    <ds:schemaRef ds:uri="http://schemas.microsoft.com/office/2006/metadata/properties"/>
+    <ds:schemaRef ds:uri="http://purl.org/dc/elements/1.1/"/>
+    <ds:schemaRef ds:uri="http://schemas.microsoft.com/office/2006/documentManagement/types"/>
+    <ds:schemaRef ds:uri="http://schemas.microsoft.com/office/infopath/2007/PartnerControls"/>
+    <ds:schemaRef ds:uri="http://purl.org/dc/terms/"/>
+  </ds:schemaRefs>
+</ds:datastoreItem>
 </file>
 
-<file path=customXml/item3.xml><?xml version="1.0" encoding="utf-8"?>
-<p:properties xmlns:p="http://schemas.microsoft.com/office/2006/metadata/properties" xmlns:xsi="http://www.w3.org/2001/XMLSchema-instance" xmlns:pc="http://schemas.microsoft.com/office/infopath/2007/PartnerControls">
-  <documentManagement/>
-</p:properties>
+<file path=customXml/itemProps2.xml><?xml version="1.0" encoding="utf-8"?>
+<ds:datastoreItem xmlns:ds="http://schemas.openxmlformats.org/officeDocument/2006/customXml" ds:itemID="{0F02F05A-7A54-4902-BACF-DF9411922F8A}">
+  <ds:schemaRefs>
+    <ds:schemaRef ds:uri="http://schemas.microsoft.com/sharepoint/v3/contenttype/forms"/>
+  </ds:schemaRefs>
+</ds:datastoreItem>
 </file>
 
-<file path=customXml/itemProps1.xml><?xml version="1.0" encoding="utf-8"?>
+<file path=customXml/itemProps3.xml><?xml version="1.0" encoding="utf-8"?>
 <ds:datastoreItem xmlns:ds="http://schemas.openxmlformats.org/officeDocument/2006/customXml" ds:itemID="{CC5D012D-61E8-4F7D-B565-0B39F9B0FB09}">
   <ds:schemaRefs>
     <ds:schemaRef ds:uri="http://schemas.microsoft.com/office/2006/metadata/contentType"/>
@@ -7147,28 +7568,4 @@
     <ds:schemaRef ds:uri="http://schemas.microsoft.com/internal/obd"/>
   </ds:schemaRefs>
 </ds:datastoreItem>
-</file>
-
-<file path=customXml/itemProps2.xml><?xml version="1.0" encoding="utf-8"?>
-<ds:datastoreItem xmlns:ds="http://schemas.openxmlformats.org/officeDocument/2006/customXml" ds:itemID="{0F02F05A-7A54-4902-BACF-DF9411922F8A}">
-  <ds:schemaRefs>
-    <ds:schemaRef ds:uri="http://schemas.microsoft.com/sharepoint/v3/contenttype/forms"/>
-  </ds:schemaRefs>
-</ds:datastoreItem>
-</file>
-
-<file path=customXml/itemProps3.xml><?xml version="1.0" encoding="utf-8"?>
-<ds:datastoreItem xmlns:ds="http://schemas.openxmlformats.org/officeDocument/2006/customXml" ds:itemID="{60E8A4E8-88A0-40D3-AC4D-E470CE879DC8}">
-  <ds:schemaRefs>
-    <ds:schemaRef ds:uri="ea17db8b-5748-486d-b3e0-8dbef2f84e62"/>
-    <ds:schemaRef ds:uri="http://www.w3.org/XML/1998/namespace"/>
-    <ds:schemaRef ds:uri="http://purl.org/dc/dcmitype/"/>
-    <ds:schemaRef ds:uri="http://schemas.openxmlformats.org/package/2006/metadata/core-properties"/>
-    <ds:schemaRef ds:uri="http://schemas.microsoft.com/office/2006/metadata/properties"/>
-    <ds:schemaRef ds:uri="http://purl.org/dc/elements/1.1/"/>
-    <ds:schemaRef ds:uri="http://schemas.microsoft.com/office/2006/documentManagement/types"/>
-    <ds:schemaRef ds:uri="http://schemas.microsoft.com/office/infopath/2007/PartnerControls"/>
-    <ds:schemaRef ds:uri="http://purl.org/dc/terms/"/>
-  </ds:schemaRefs>
-</ds:datastoreItem>
 </file>